--- a/src/test/sample/simple_template.pptx
+++ b/src/test/sample/simple_template.pptx
@@ -244,7 +244,7 @@
           <a:p>
             <a:fld id="{E561863E-F42E-421B-92D9-01C724A06B9F}" type="datetimeFigureOut">
               <a:rPr lang="en-US" smtClean="0"/>
-              <a:t>12/21/2022</a:t>
+              <a:t>12/27/2022</a:t>
             </a:fld>
             <a:endParaRPr lang="en-US"/>
           </a:p>
@@ -414,7 +414,7 @@
           <a:p>
             <a:fld id="{E561863E-F42E-421B-92D9-01C724A06B9F}" type="datetimeFigureOut">
               <a:rPr lang="en-US" smtClean="0"/>
-              <a:t>12/21/2022</a:t>
+              <a:t>12/27/2022</a:t>
             </a:fld>
             <a:endParaRPr lang="en-US"/>
           </a:p>
@@ -594,7 +594,7 @@
           <a:p>
             <a:fld id="{E561863E-F42E-421B-92D9-01C724A06B9F}" type="datetimeFigureOut">
               <a:rPr lang="en-US" smtClean="0"/>
-              <a:t>12/21/2022</a:t>
+              <a:t>12/27/2022</a:t>
             </a:fld>
             <a:endParaRPr lang="en-US"/>
           </a:p>
@@ -764,7 +764,7 @@
           <a:p>
             <a:fld id="{E561863E-F42E-421B-92D9-01C724A06B9F}" type="datetimeFigureOut">
               <a:rPr lang="en-US" smtClean="0"/>
-              <a:t>12/21/2022</a:t>
+              <a:t>12/27/2022</a:t>
             </a:fld>
             <a:endParaRPr lang="en-US"/>
           </a:p>
@@ -1010,7 +1010,7 @@
           <a:p>
             <a:fld id="{E561863E-F42E-421B-92D9-01C724A06B9F}" type="datetimeFigureOut">
               <a:rPr lang="en-US" smtClean="0"/>
-              <a:t>12/21/2022</a:t>
+              <a:t>12/27/2022</a:t>
             </a:fld>
             <a:endParaRPr lang="en-US"/>
           </a:p>
@@ -1242,7 +1242,7 @@
           <a:p>
             <a:fld id="{E561863E-F42E-421B-92D9-01C724A06B9F}" type="datetimeFigureOut">
               <a:rPr lang="en-US" smtClean="0"/>
-              <a:t>12/21/2022</a:t>
+              <a:t>12/27/2022</a:t>
             </a:fld>
             <a:endParaRPr lang="en-US"/>
           </a:p>
@@ -1609,7 +1609,7 @@
           <a:p>
             <a:fld id="{E561863E-F42E-421B-92D9-01C724A06B9F}" type="datetimeFigureOut">
               <a:rPr lang="en-US" smtClean="0"/>
-              <a:t>12/21/2022</a:t>
+              <a:t>12/27/2022</a:t>
             </a:fld>
             <a:endParaRPr lang="en-US"/>
           </a:p>
@@ -1727,7 +1727,7 @@
           <a:p>
             <a:fld id="{E561863E-F42E-421B-92D9-01C724A06B9F}" type="datetimeFigureOut">
               <a:rPr lang="en-US" smtClean="0"/>
-              <a:t>12/21/2022</a:t>
+              <a:t>12/27/2022</a:t>
             </a:fld>
             <a:endParaRPr lang="en-US"/>
           </a:p>
@@ -1822,7 +1822,7 @@
           <a:p>
             <a:fld id="{E561863E-F42E-421B-92D9-01C724A06B9F}" type="datetimeFigureOut">
               <a:rPr lang="en-US" smtClean="0"/>
-              <a:t>12/21/2022</a:t>
+              <a:t>12/27/2022</a:t>
             </a:fld>
             <a:endParaRPr lang="en-US"/>
           </a:p>
@@ -2099,7 +2099,7 @@
           <a:p>
             <a:fld id="{E561863E-F42E-421B-92D9-01C724A06B9F}" type="datetimeFigureOut">
               <a:rPr lang="en-US" smtClean="0"/>
-              <a:t>12/21/2022</a:t>
+              <a:t>12/27/2022</a:t>
             </a:fld>
             <a:endParaRPr lang="en-US"/>
           </a:p>
@@ -2352,7 +2352,7 @@
           <a:p>
             <a:fld id="{E561863E-F42E-421B-92D9-01C724A06B9F}" type="datetimeFigureOut">
               <a:rPr lang="en-US" smtClean="0"/>
-              <a:t>12/21/2022</a:t>
+              <a:t>12/27/2022</a:t>
             </a:fld>
             <a:endParaRPr lang="en-US"/>
           </a:p>
@@ -2565,7 +2565,7 @@
           <a:p>
             <a:fld id="{E561863E-F42E-421B-92D9-01C724A06B9F}" type="datetimeFigureOut">
               <a:rPr lang="en-US" smtClean="0"/>
-              <a:t>12/21/2022</a:t>
+              <a:t>12/27/2022</a:t>
             </a:fld>
             <a:endParaRPr lang="en-US"/>
           </a:p>
@@ -3082,12 +3082,13 @@
             </a:r>
             <a:r>
               <a:rPr lang="en-US" dirty="0" err="1" smtClean="0"/>
-              <a:t>project.research_scope</a:t>
+              <a:t>project.about</a:t>
             </a:r>
             <a:r>
               <a:rPr lang="en-US" dirty="0" smtClean="0"/>
               <a:t>}</a:t>
             </a:r>
+            <a:endParaRPr lang="en-US" dirty="0" smtClean="0"/>
           </a:p>
           <a:p>
             <a:pPr marL="0" indent="0">
@@ -3106,12 +3107,13 @@
             </a:r>
             <a:r>
               <a:rPr lang="en-US" dirty="0" err="1" smtClean="0"/>
-              <a:t>project.non_research_goals</a:t>
+              <a:t>project.main_steps</a:t>
             </a:r>
             <a:r>
               <a:rPr lang="en-US" dirty="0" smtClean="0"/>
               <a:t>}</a:t>
             </a:r>
+            <a:endParaRPr lang="en-US" dirty="0" smtClean="0"/>
           </a:p>
         </p:txBody>
       </p:sp>
